--- a/Presentation new.pptx
+++ b/Presentation new.pptx
@@ -295,7 +295,7 @@
           <a:p>
             <a:fld id="{E436E0E4-200F-41E8-A9F0-6E75F5AC3ED2}" type="datetimeFigureOut">
               <a:rPr lang="en-US" smtClean="0"/>
-              <a:t>23/04/13</a:t>
+              <a:t>4/23/2013</a:t>
             </a:fld>
             <a:endParaRPr lang="en-US"/>
           </a:p>
@@ -465,7 +465,7 @@
           <a:p>
             <a:fld id="{E436E0E4-200F-41E8-A9F0-6E75F5AC3ED2}" type="datetimeFigureOut">
               <a:rPr lang="en-US" smtClean="0"/>
-              <a:t>23/04/13</a:t>
+              <a:t>4/23/2013</a:t>
             </a:fld>
             <a:endParaRPr lang="en-US"/>
           </a:p>
@@ -645,7 +645,7 @@
           <a:p>
             <a:fld id="{E436E0E4-200F-41E8-A9F0-6E75F5AC3ED2}" type="datetimeFigureOut">
               <a:rPr lang="en-US" smtClean="0"/>
-              <a:t>23/04/13</a:t>
+              <a:t>4/23/2013</a:t>
             </a:fld>
             <a:endParaRPr lang="en-US"/>
           </a:p>
@@ -815,7 +815,7 @@
           <a:p>
             <a:fld id="{E436E0E4-200F-41E8-A9F0-6E75F5AC3ED2}" type="datetimeFigureOut">
               <a:rPr lang="en-US" smtClean="0"/>
-              <a:t>23/04/13</a:t>
+              <a:t>4/23/2013</a:t>
             </a:fld>
             <a:endParaRPr lang="en-US"/>
           </a:p>
@@ -1061,7 +1061,7 @@
           <a:p>
             <a:fld id="{E436E0E4-200F-41E8-A9F0-6E75F5AC3ED2}" type="datetimeFigureOut">
               <a:rPr lang="en-US" smtClean="0"/>
-              <a:t>23/04/13</a:t>
+              <a:t>4/23/2013</a:t>
             </a:fld>
             <a:endParaRPr lang="en-US"/>
           </a:p>
@@ -1349,7 +1349,7 @@
           <a:p>
             <a:fld id="{E436E0E4-200F-41E8-A9F0-6E75F5AC3ED2}" type="datetimeFigureOut">
               <a:rPr lang="en-US" smtClean="0"/>
-              <a:t>23/04/13</a:t>
+              <a:t>4/23/2013</a:t>
             </a:fld>
             <a:endParaRPr lang="en-US"/>
           </a:p>
@@ -1771,7 +1771,7 @@
           <a:p>
             <a:fld id="{E436E0E4-200F-41E8-A9F0-6E75F5AC3ED2}" type="datetimeFigureOut">
               <a:rPr lang="en-US" smtClean="0"/>
-              <a:t>23/04/13</a:t>
+              <a:t>4/23/2013</a:t>
             </a:fld>
             <a:endParaRPr lang="en-US"/>
           </a:p>
@@ -1889,7 +1889,7 @@
           <a:p>
             <a:fld id="{E436E0E4-200F-41E8-A9F0-6E75F5AC3ED2}" type="datetimeFigureOut">
               <a:rPr lang="en-US" smtClean="0"/>
-              <a:t>23/04/13</a:t>
+              <a:t>4/23/2013</a:t>
             </a:fld>
             <a:endParaRPr lang="en-US"/>
           </a:p>
@@ -1984,7 +1984,7 @@
           <a:p>
             <a:fld id="{E436E0E4-200F-41E8-A9F0-6E75F5AC3ED2}" type="datetimeFigureOut">
               <a:rPr lang="en-US" smtClean="0"/>
-              <a:t>23/04/13</a:t>
+              <a:t>4/23/2013</a:t>
             </a:fld>
             <a:endParaRPr lang="en-US"/>
           </a:p>
@@ -2261,7 +2261,7 @@
           <a:p>
             <a:fld id="{E436E0E4-200F-41E8-A9F0-6E75F5AC3ED2}" type="datetimeFigureOut">
               <a:rPr lang="en-US" smtClean="0"/>
-              <a:t>23/04/13</a:t>
+              <a:t>4/23/2013</a:t>
             </a:fld>
             <a:endParaRPr lang="en-US"/>
           </a:p>
@@ -2514,7 +2514,7 @@
           <a:p>
             <a:fld id="{E436E0E4-200F-41E8-A9F0-6E75F5AC3ED2}" type="datetimeFigureOut">
               <a:rPr lang="en-US" smtClean="0"/>
-              <a:t>23/04/13</a:t>
+              <a:t>4/23/2013</a:t>
             </a:fld>
             <a:endParaRPr lang="en-US"/>
           </a:p>
@@ -2727,7 +2727,7 @@
           <a:p>
             <a:fld id="{E436E0E4-200F-41E8-A9F0-6E75F5AC3ED2}" type="datetimeFigureOut">
               <a:rPr lang="en-US" smtClean="0"/>
-              <a:t>23/04/13</a:t>
+              <a:t>4/23/2013</a:t>
             </a:fld>
             <a:endParaRPr lang="en-US"/>
           </a:p>
@@ -3192,7 +3192,7 @@
   <p:timing>
     <p:tnLst>
       <p:par>
-        <p:cTn xmlns:p14="http://schemas.microsoft.com/office/powerpoint/2010/main" id="1" dur="indefinite" restart="never" nodeType="tmRoot"/>
+        <p:cTn id="1" dur="indefinite" restart="never" nodeType="tmRoot"/>
       </p:par>
     </p:tnLst>
   </p:timing>
@@ -3367,7 +3367,7 @@
   <p:timing>
     <p:tnLst>
       <p:par>
-        <p:cTn xmlns:p14="http://schemas.microsoft.com/office/powerpoint/2010/main" id="1" dur="indefinite" restart="never" nodeType="tmRoot"/>
+        <p:cTn id="1" dur="indefinite" restart="never" nodeType="tmRoot"/>
       </p:par>
     </p:tnLst>
   </p:timing>
@@ -3542,7 +3542,7 @@
   <p:timing>
     <p:tnLst>
       <p:par>
-        <p:cTn xmlns:p14="http://schemas.microsoft.com/office/powerpoint/2010/main" id="1" dur="indefinite" restart="never" nodeType="tmRoot"/>
+        <p:cTn id="1" dur="indefinite" restart="never" nodeType="tmRoot"/>
       </p:par>
     </p:tnLst>
   </p:timing>
@@ -3566,6 +3566,39 @@
           <a:chExt cx="0" cy="0"/>
         </a:xfrm>
       </p:grpSpPr>
+      <p:pic>
+        <p:nvPicPr>
+          <p:cNvPr id="7" name="Picture 6"/>
+          <p:cNvPicPr>
+            <a:picLocks noChangeAspect="1"/>
+          </p:cNvPicPr>
+          <p:nvPr/>
+        </p:nvPicPr>
+        <p:blipFill rotWithShape="1">
+          <a:blip r:embed="rId2" cstate="print">
+            <a:lum bright="70000" contrast="-70000"/>
+            <a:extLst>
+              <a:ext uri="{28A0092B-C50C-407E-A947-70E740481C1C}">
+                <a14:useLocalDpi xmlns:a14="http://schemas.microsoft.com/office/drawing/2010/main" val="0"/>
+              </a:ext>
+            </a:extLst>
+          </a:blip>
+          <a:srcRect l="14445" t="28889" r="15881" b="35555"/>
+          <a:stretch/>
+        </p:blipFill>
+        <p:spPr>
+          <a:xfrm>
+            <a:off x="7239000" y="228600"/>
+            <a:ext cx="1544782" cy="1401452"/>
+          </a:xfrm>
+          <a:prstGeom prst="rect">
+            <a:avLst/>
+          </a:prstGeom>
+          <a:effectLst>
+            <a:reflection blurRad="6350" stA="52000" endA="300" endPos="35000" dir="5400000" sy="-100000" algn="bl" rotWithShape="0"/>
+          </a:effectLst>
+        </p:spPr>
+      </p:pic>
       <p:sp>
         <p:nvSpPr>
           <p:cNvPr id="2" name="Title 1"/>
@@ -3598,7 +3631,7 @@
           <p:nvPr/>
         </p:nvPicPr>
         <p:blipFill>
-          <a:blip r:embed="rId2">
+          <a:blip r:embed="rId3">
             <a:extLst>
               <a:ext uri="{28A0092B-C50C-407E-A947-70E740481C1C}">
                 <a14:useLocalDpi xmlns:a14="http://schemas.microsoft.com/office/drawing/2010/main" val="0"/>
@@ -3624,14 +3657,14 @@
           </a:ln>
           <a:effectLst/>
           <a:extLst>
-            <a:ext uri="{909E8E84-426E-40dd-AFC4-6F175D3DCCD1}">
+            <a:ext uri="{909E8E84-426E-40DD-AFC4-6F175D3DCCD1}">
               <a14:hiddenFill xmlns:a14="http://schemas.microsoft.com/office/drawing/2010/main">
                 <a:solidFill>
                   <a:schemeClr val="accent1"/>
                 </a:solidFill>
               </a14:hiddenFill>
             </a:ext>
-            <a:ext uri="{91240B29-F687-4f45-9708-019B960494DF}">
+            <a:ext uri="{91240B29-F687-4F45-9708-019B960494DF}">
               <a14:hiddenLine xmlns:a14="http://schemas.microsoft.com/office/drawing/2010/main" w="9525">
                 <a:solidFill>
                   <a:schemeClr val="tx1"/>
@@ -3641,7 +3674,7 @@
                 <a:tailEnd/>
               </a14:hiddenLine>
             </a:ext>
-            <a:ext uri="{AF507438-7753-43e0-B8FC-AC1667EBCBE1}">
+            <a:ext uri="{AF507438-7753-43E0-B8FC-AC1667EBCBE1}">
               <a14:hiddenEffects xmlns:a14="http://schemas.microsoft.com/office/drawing/2010/main">
                 <a:effectLst>
                   <a:outerShdw dist="35921" dir="2700000" algn="ctr" rotWithShape="0">
@@ -3651,39 +3684,6 @@
               </a14:hiddenEffects>
             </a:ext>
           </a:extLst>
-        </p:spPr>
-      </p:pic>
-      <p:pic>
-        <p:nvPicPr>
-          <p:cNvPr id="7" name="Picture 6"/>
-          <p:cNvPicPr>
-            <a:picLocks noChangeAspect="1"/>
-          </p:cNvPicPr>
-          <p:nvPr/>
-        </p:nvPicPr>
-        <p:blipFill rotWithShape="1">
-          <a:blip r:embed="rId3" cstate="print">
-            <a:lum bright="70000" contrast="-70000"/>
-            <a:extLst>
-              <a:ext uri="{28A0092B-C50C-407E-A947-70E740481C1C}">
-                <a14:useLocalDpi xmlns:a14="http://schemas.microsoft.com/office/drawing/2010/main" val="0"/>
-              </a:ext>
-            </a:extLst>
-          </a:blip>
-          <a:srcRect l="14445" t="28889" r="15881" b="35555"/>
-          <a:stretch/>
-        </p:blipFill>
-        <p:spPr>
-          <a:xfrm>
-            <a:off x="7239000" y="228600"/>
-            <a:ext cx="1544782" cy="1401452"/>
-          </a:xfrm>
-          <a:prstGeom prst="rect">
-            <a:avLst/>
-          </a:prstGeom>
-          <a:effectLst>
-            <a:reflection blurRad="6350" stA="52000" endA="300" endPos="35000" dir="5400000" sy="-100000" algn="bl" rotWithShape="0"/>
-          </a:effectLst>
         </p:spPr>
       </p:pic>
     </p:spTree>
@@ -3699,7 +3699,7 @@
   <p:timing>
     <p:tnLst>
       <p:par>
-        <p:cTn xmlns:p14="http://schemas.microsoft.com/office/powerpoint/2010/main" id="1" dur="indefinite" restart="never" nodeType="tmRoot"/>
+        <p:cTn id="1" dur="indefinite" restart="never" nodeType="tmRoot"/>
       </p:par>
     </p:tnLst>
   </p:timing>
@@ -3756,7 +3756,7 @@
             <a:noFill/>
           </a:ln>
           <a:extLst>
-            <a:ext uri="{53640926-AAD7-44d8-BBD7-CCE9431645EC}">
+            <a:ext uri="{53640926-AAD7-44D8-BBD7-CCE9431645EC}">
               <a14:shadowObscured xmlns:a14="http://schemas.microsoft.com/office/drawing/2010/main"/>
             </a:ext>
           </a:extLst>
@@ -3831,7 +3831,7 @@
   <p:timing>
     <p:tnLst>
       <p:par>
-        <p:cTn xmlns:p14="http://schemas.microsoft.com/office/powerpoint/2010/main" id="1" dur="indefinite" restart="never" nodeType="tmRoot"/>
+        <p:cTn id="1" dur="indefinite" restart="never" nodeType="tmRoot"/>
       </p:par>
     </p:tnLst>
   </p:timing>
@@ -3976,7 +3976,7 @@
   <p:timing>
     <p:tnLst>
       <p:par>
-        <p:cTn xmlns:p14="http://schemas.microsoft.com/office/powerpoint/2010/main" id="1" dur="indefinite" restart="never" nodeType="tmRoot"/>
+        <p:cTn id="1" dur="indefinite" restart="never" nodeType="tmRoot"/>
       </p:par>
     </p:tnLst>
   </p:timing>
@@ -4127,7 +4127,7 @@
   <p:timing>
     <p:tnLst>
       <p:par>
-        <p:cTn xmlns:p14="http://schemas.microsoft.com/office/powerpoint/2010/main" id="1" dur="indefinite" restart="never" nodeType="tmRoot"/>
+        <p:cTn id="1" dur="indefinite" restart="never" nodeType="tmRoot"/>
       </p:par>
     </p:tnLst>
   </p:timing>
@@ -4278,7 +4278,7 @@
   <p:timing>
     <p:tnLst>
       <p:par>
-        <p:cTn xmlns:p14="http://schemas.microsoft.com/office/powerpoint/2010/main" id="1" dur="indefinite" restart="never" nodeType="tmRoot"/>
+        <p:cTn id="1" dur="indefinite" restart="never" nodeType="tmRoot"/>
       </p:par>
     </p:tnLst>
   </p:timing>
